--- a/갓생살기_ver3.pptx
+++ b/갓생살기_ver3.pptx
@@ -11,7 +11,7 @@
     <p:sldId id="282" r:id="rId2"/>
     <p:sldId id="283" r:id="rId3"/>
     <p:sldId id="325" r:id="rId4"/>
-    <p:sldId id="311" r:id="rId5"/>
+    <p:sldId id="326" r:id="rId5"/>
     <p:sldId id="312" r:id="rId6"/>
     <p:sldId id="313" r:id="rId7"/>
     <p:sldId id="324" r:id="rId8"/>
@@ -250,7 +250,7 @@
           <a:p>
             <a:fld id="{FFF8F58C-1102-422A-AC9A-928B3A24AC2B}" type="datetimeFigureOut">
               <a:rPr lang="ko-KR" altLang="en-US" smtClean="0"/>
-              <a:t>2023-06-12</a:t>
+              <a:t>2023-06-13</a:t>
             </a:fld>
             <a:endParaRPr lang="ko-KR" altLang="en-US"/>
           </a:p>
@@ -1744,7 +1744,7 @@
           <a:p>
             <a:fld id="{D56FE042-7F34-425B-92DB-56366416E9FE}" type="datetimeFigureOut">
               <a:rPr lang="ko-KR" altLang="en-US" smtClean="0"/>
-              <a:t>2023-06-12</a:t>
+              <a:t>2023-06-13</a:t>
             </a:fld>
             <a:endParaRPr lang="ko-KR" altLang="en-US"/>
           </a:p>
@@ -1942,7 +1942,7 @@
           <a:p>
             <a:fld id="{D56FE042-7F34-425B-92DB-56366416E9FE}" type="datetimeFigureOut">
               <a:rPr lang="ko-KR" altLang="en-US" smtClean="0"/>
-              <a:t>2023-06-12</a:t>
+              <a:t>2023-06-13</a:t>
             </a:fld>
             <a:endParaRPr lang="ko-KR" altLang="en-US"/>
           </a:p>
@@ -2150,7 +2150,7 @@
           <a:p>
             <a:fld id="{D56FE042-7F34-425B-92DB-56366416E9FE}" type="datetimeFigureOut">
               <a:rPr lang="ko-KR" altLang="en-US" smtClean="0"/>
-              <a:t>2023-06-12</a:t>
+              <a:t>2023-06-13</a:t>
             </a:fld>
             <a:endParaRPr lang="ko-KR" altLang="en-US"/>
           </a:p>
@@ -9935,7 +9935,7 @@
           <a:p>
             <a:fld id="{D56FE042-7F34-425B-92DB-56366416E9FE}" type="datetimeFigureOut">
               <a:rPr lang="ko-KR" altLang="en-US" smtClean="0"/>
-              <a:t>2023-06-12</a:t>
+              <a:t>2023-06-13</a:t>
             </a:fld>
             <a:endParaRPr lang="ko-KR" altLang="en-US"/>
           </a:p>
@@ -10210,7 +10210,7 @@
           <a:p>
             <a:fld id="{D56FE042-7F34-425B-92DB-56366416E9FE}" type="datetimeFigureOut">
               <a:rPr lang="ko-KR" altLang="en-US" smtClean="0"/>
-              <a:t>2023-06-12</a:t>
+              <a:t>2023-06-13</a:t>
             </a:fld>
             <a:endParaRPr lang="ko-KR" altLang="en-US"/>
           </a:p>
@@ -10475,7 +10475,7 @@
           <a:p>
             <a:fld id="{D56FE042-7F34-425B-92DB-56366416E9FE}" type="datetimeFigureOut">
               <a:rPr lang="ko-KR" altLang="en-US" smtClean="0"/>
-              <a:t>2023-06-12</a:t>
+              <a:t>2023-06-13</a:t>
             </a:fld>
             <a:endParaRPr lang="ko-KR" altLang="en-US"/>
           </a:p>
@@ -10887,7 +10887,7 @@
           <a:p>
             <a:fld id="{D56FE042-7F34-425B-92DB-56366416E9FE}" type="datetimeFigureOut">
               <a:rPr lang="ko-KR" altLang="en-US" smtClean="0"/>
-              <a:t>2023-06-12</a:t>
+              <a:t>2023-06-13</a:t>
             </a:fld>
             <a:endParaRPr lang="ko-KR" altLang="en-US"/>
           </a:p>
@@ -11028,7 +11028,7 @@
           <a:p>
             <a:fld id="{D56FE042-7F34-425B-92DB-56366416E9FE}" type="datetimeFigureOut">
               <a:rPr lang="ko-KR" altLang="en-US" smtClean="0"/>
-              <a:t>2023-06-12</a:t>
+              <a:t>2023-06-13</a:t>
             </a:fld>
             <a:endParaRPr lang="ko-KR" altLang="en-US"/>
           </a:p>
@@ -11141,7 +11141,7 @@
           <a:p>
             <a:fld id="{D56FE042-7F34-425B-92DB-56366416E9FE}" type="datetimeFigureOut">
               <a:rPr lang="ko-KR" altLang="en-US" smtClean="0"/>
-              <a:t>2023-06-12</a:t>
+              <a:t>2023-06-13</a:t>
             </a:fld>
             <a:endParaRPr lang="ko-KR" altLang="en-US"/>
           </a:p>
@@ -11452,7 +11452,7 @@
           <a:p>
             <a:fld id="{D56FE042-7F34-425B-92DB-56366416E9FE}" type="datetimeFigureOut">
               <a:rPr lang="ko-KR" altLang="en-US" smtClean="0"/>
-              <a:t>2023-06-12</a:t>
+              <a:t>2023-06-13</a:t>
             </a:fld>
             <a:endParaRPr lang="ko-KR" altLang="en-US"/>
           </a:p>
@@ -11740,7 +11740,7 @@
           <a:p>
             <a:fld id="{D56FE042-7F34-425B-92DB-56366416E9FE}" type="datetimeFigureOut">
               <a:rPr lang="ko-KR" altLang="en-US" smtClean="0"/>
-              <a:t>2023-06-12</a:t>
+              <a:t>2023-06-13</a:t>
             </a:fld>
             <a:endParaRPr lang="ko-KR" altLang="en-US"/>
           </a:p>
@@ -11989,7 +11989,7 @@
           <a:p>
             <a:fld id="{D56FE042-7F34-425B-92DB-56366416E9FE}" type="datetimeFigureOut">
               <a:rPr lang="ko-KR" altLang="en-US" smtClean="0"/>
-              <a:t>2023-06-12</a:t>
+              <a:t>2023-06-13</a:t>
             </a:fld>
             <a:endParaRPr lang="ko-KR" altLang="en-US"/>
           </a:p>
@@ -12424,7 +12424,7 @@
             <a:avLst/>
           </a:prstGeom>
           <a:solidFill>
-            <a:srgbClr val="DBDFAA"/>
+            <a:srgbClr val="ECF2FF"/>
           </a:solidFill>
           <a:ln>
             <a:noFill/>
@@ -12462,7 +12462,7 @@
             <a:avLst/>
           </a:prstGeom>
           <a:solidFill>
-            <a:srgbClr val="F5F0BB"/>
+            <a:srgbClr val="FDEFC2"/>
           </a:solidFill>
           <a:ln>
             <a:noFill/>
@@ -18639,7 +18639,7 @@
             <a:avLst/>
           </a:prstGeom>
           <a:solidFill>
-            <a:srgbClr val="B3C890"/>
+            <a:srgbClr val="E3DFFD"/>
           </a:solidFill>
           <a:ln>
             <a:solidFill>
@@ -18679,7 +18679,7 @@
             <a:avLst/>
           </a:prstGeom>
           <a:solidFill>
-            <a:srgbClr val="73A9AD"/>
+            <a:srgbClr val="FFF7EE"/>
           </a:solidFill>
           <a:ln>
             <a:noFill/>
@@ -21487,7 +21487,7 @@
             <a:avLst/>
           </a:prstGeom>
           <a:solidFill>
-            <a:srgbClr val="F5F0BB"/>
+            <a:srgbClr val="FDEFC2"/>
           </a:solidFill>
           <a:ln>
             <a:solidFill>
@@ -21556,7 +21556,7 @@
             <a:avLst/>
           </a:prstGeom>
           <a:solidFill>
-            <a:srgbClr val="73A9AD"/>
+            <a:srgbClr val="E3DFFD"/>
           </a:solidFill>
         </p:spPr>
         <p:txBody>
@@ -21699,7 +21699,7 @@
             <a:avLst/>
           </a:prstGeom>
           <a:solidFill>
-            <a:srgbClr val="F5F0BB"/>
+            <a:srgbClr val="FDEFC2"/>
           </a:solidFill>
           <a:ln>
             <a:solidFill>
@@ -21768,7 +21768,7 @@
             <a:avLst/>
           </a:prstGeom>
           <a:solidFill>
-            <a:srgbClr val="73A9AD"/>
+            <a:srgbClr val="E3DFFD"/>
           </a:solidFill>
         </p:spPr>
         <p:txBody>
@@ -21925,7 +21925,7 @@
             <a:avLst/>
           </a:prstGeom>
           <a:solidFill>
-            <a:srgbClr val="F5F0BB"/>
+            <a:srgbClr val="FDEFC2"/>
           </a:solidFill>
           <a:ln>
             <a:solidFill>
@@ -21994,7 +21994,7 @@
             <a:avLst/>
           </a:prstGeom>
           <a:solidFill>
-            <a:srgbClr val="73A9AD"/>
+            <a:srgbClr val="E3DFFD"/>
           </a:solidFill>
         </p:spPr>
         <p:txBody>
@@ -22140,14 +22140,14 @@
         </p:nvSpPr>
         <p:spPr>
           <a:xfrm>
-            <a:off x="812633" y="884527"/>
+            <a:off x="791094" y="710327"/>
             <a:ext cx="10290800" cy="5437346"/>
           </a:xfrm>
           <a:prstGeom prst="rect">
             <a:avLst/>
           </a:prstGeom>
           <a:solidFill>
-            <a:srgbClr val="F5F0BB"/>
+            <a:srgbClr val="FDEFC2"/>
           </a:solidFill>
           <a:ln>
             <a:noFill/>
@@ -29958,7 +29958,7 @@
             <a:avLst/>
           </a:prstGeom>
           <a:solidFill>
-            <a:srgbClr val="F5F0BB"/>
+            <a:srgbClr val="FDEFC2"/>
           </a:solidFill>
           <a:ln>
             <a:solidFill>
@@ -30005,7 +30005,7 @@
             <a:avLst/>
           </a:prstGeom>
           <a:solidFill>
-            <a:srgbClr val="73A9AD"/>
+            <a:srgbClr val="E3DFFD"/>
           </a:solidFill>
         </p:spPr>
         <p:txBody>
@@ -30127,7 +30127,7 @@
             <a:avLst/>
           </a:prstGeom>
           <a:solidFill>
-            <a:srgbClr val="73A9AD"/>
+            <a:srgbClr val="E3DFFD"/>
           </a:solidFill>
         </p:spPr>
         <p:txBody>
@@ -30249,7 +30249,7 @@
             <a:avLst/>
           </a:prstGeom>
           <a:solidFill>
-            <a:srgbClr val="73A9AD"/>
+            <a:srgbClr val="E3DFFD"/>
           </a:solidFill>
         </p:spPr>
         <p:txBody>
@@ -30334,7 +30334,7 @@
             <a:avLst/>
           </a:prstGeom>
           <a:solidFill>
-            <a:srgbClr val="DBDFAA"/>
+            <a:srgbClr val="FFF7EE"/>
           </a:solidFill>
           <a:ln>
             <a:noFill/>
@@ -32092,12 +32092,10 @@
             <a:avLst/>
           </a:prstGeom>
           <a:solidFill>
-            <a:srgbClr val="DBDFAA"/>
+            <a:srgbClr val="FFF7EE"/>
           </a:solidFill>
           <a:ln>
-            <a:solidFill>
-              <a:srgbClr val="DBDFAA"/>
-            </a:solidFill>
+            <a:noFill/>
           </a:ln>
         </p:spPr>
         <p:style>
@@ -32232,7 +32230,7 @@
             <a:avLst/>
           </a:prstGeom>
           <a:solidFill>
-            <a:srgbClr val="F5F0BB"/>
+            <a:srgbClr val="FDEFC2"/>
           </a:solidFill>
           <a:ln>
             <a:solidFill>
@@ -32279,7 +32277,7 @@
             <a:avLst/>
           </a:prstGeom>
           <a:solidFill>
-            <a:srgbClr val="73A9AD"/>
+            <a:srgbClr val="E3DFFD"/>
           </a:solidFill>
         </p:spPr>
         <p:txBody>
@@ -32439,7 +32437,7 @@
             <a:avLst/>
           </a:prstGeom>
           <a:solidFill>
-            <a:srgbClr val="73A9AD"/>
+            <a:srgbClr val="E3DFFD"/>
           </a:solidFill>
         </p:spPr>
         <p:txBody>
@@ -32568,7 +32566,7 @@
             <a:avLst/>
           </a:prstGeom>
           <a:solidFill>
-            <a:srgbClr val="73A9AD"/>
+            <a:srgbClr val="E3DFFD"/>
           </a:solidFill>
         </p:spPr>
         <p:txBody>
@@ -32653,7 +32651,7 @@
             <a:avLst/>
           </a:prstGeom>
           <a:solidFill>
-            <a:srgbClr val="DBDFAA"/>
+            <a:srgbClr val="FFF7EE"/>
           </a:solidFill>
           <a:ln>
             <a:noFill/>
@@ -35884,10 +35882,602 @@
       </p:grpSpPr>
       <p:sp>
         <p:nvSpPr>
-          <p:cNvPr id="2" name="제목 1">
+          <p:cNvPr id="4" name="Google Shape;3404;p72">
             <a:extLst>
               <a:ext uri="{FF2B5EF4-FFF2-40B4-BE49-F238E27FC236}">
-                <a16:creationId xmlns:a16="http://schemas.microsoft.com/office/drawing/2014/main" id="{55033464-8BD1-A7BE-931C-994B64ACACDF}"/>
+                <a16:creationId xmlns:a16="http://schemas.microsoft.com/office/drawing/2014/main" id="{4877A164-CDAF-359E-38E9-8DEBD211115A}"/>
+              </a:ext>
+            </a:extLst>
+          </p:cNvPr>
+          <p:cNvSpPr/>
+          <p:nvPr/>
+        </p:nvSpPr>
+        <p:spPr>
+          <a:xfrm>
+            <a:off x="2566720" y="2662988"/>
+            <a:ext cx="1981128" cy="1583285"/>
+          </a:xfrm>
+          <a:prstGeom prst="roundRect">
+            <a:avLst>
+              <a:gd name="adj" fmla="val 16667"/>
+            </a:avLst>
+          </a:prstGeom>
+          <a:solidFill>
+            <a:srgbClr val="575757"/>
+          </a:solidFill>
+          <a:ln w="9525" cap="flat" cmpd="sng">
+            <a:solidFill>
+              <a:schemeClr val="bg1"/>
+            </a:solidFill>
+            <a:prstDash val="solid"/>
+            <a:round/>
+            <a:headEnd type="none" w="sm" len="sm"/>
+            <a:tailEnd type="none" w="sm" len="sm"/>
+          </a:ln>
+        </p:spPr>
+        <p:txBody>
+          <a:bodyPr spcFirstLastPara="1" wrap="square" lIns="121900" tIns="121900" rIns="121900" bIns="121900" anchor="ctr" anchorCtr="0">
+            <a:noAutofit/>
+          </a:bodyPr>
+          <a:lstStyle/>
+          <a:p>
+            <a:endParaRPr sz="6000" b="1">
+              <a:latin typeface="나눔손글씨 성실체" panose="02000503000000000000" pitchFamily="2" charset="-127"/>
+              <a:ea typeface="나눔손글씨 성실체" panose="02000503000000000000" pitchFamily="2" charset="-127"/>
+            </a:endParaRPr>
+          </a:p>
+        </p:txBody>
+      </p:sp>
+      <p:sp>
+        <p:nvSpPr>
+          <p:cNvPr id="5" name="Google Shape;3405;p72">
+            <a:extLst>
+              <a:ext uri="{FF2B5EF4-FFF2-40B4-BE49-F238E27FC236}">
+                <a16:creationId xmlns:a16="http://schemas.microsoft.com/office/drawing/2014/main" id="{35407105-A1ED-61D6-1AE7-0BE8DA572DE7}"/>
+              </a:ext>
+            </a:extLst>
+          </p:cNvPr>
+          <p:cNvSpPr/>
+          <p:nvPr/>
+        </p:nvSpPr>
+        <p:spPr>
+          <a:xfrm>
+            <a:off x="4834576" y="2637358"/>
+            <a:ext cx="1981128" cy="1583285"/>
+          </a:xfrm>
+          <a:prstGeom prst="roundRect">
+            <a:avLst>
+              <a:gd name="adj" fmla="val 16667"/>
+            </a:avLst>
+          </a:prstGeom>
+          <a:solidFill>
+            <a:srgbClr val="FFF7EE"/>
+          </a:solidFill>
+          <a:ln w="9525" cap="flat" cmpd="sng">
+            <a:solidFill>
+              <a:schemeClr val="bg1"/>
+            </a:solidFill>
+            <a:prstDash val="solid"/>
+            <a:round/>
+            <a:headEnd type="none" w="sm" len="sm"/>
+            <a:tailEnd type="none" w="sm" len="sm"/>
+          </a:ln>
+        </p:spPr>
+        <p:txBody>
+          <a:bodyPr spcFirstLastPara="1" wrap="square" lIns="121900" tIns="121900" rIns="121900" bIns="121900" anchor="ctr" anchorCtr="0">
+            <a:noAutofit/>
+          </a:bodyPr>
+          <a:lstStyle/>
+          <a:p>
+            <a:endParaRPr sz="6000" b="1">
+              <a:latin typeface="나눔손글씨 성실체" panose="02000503000000000000" pitchFamily="2" charset="-127"/>
+              <a:ea typeface="나눔손글씨 성실체" panose="02000503000000000000" pitchFamily="2" charset="-127"/>
+            </a:endParaRPr>
+          </a:p>
+        </p:txBody>
+      </p:sp>
+      <p:sp>
+        <p:nvSpPr>
+          <p:cNvPr id="6" name="Google Shape;3406;p72">
+            <a:extLst>
+              <a:ext uri="{FF2B5EF4-FFF2-40B4-BE49-F238E27FC236}">
+                <a16:creationId xmlns:a16="http://schemas.microsoft.com/office/drawing/2014/main" id="{0010346E-C5DB-F26E-E350-FE66BE109FE1}"/>
+              </a:ext>
+            </a:extLst>
+          </p:cNvPr>
+          <p:cNvSpPr/>
+          <p:nvPr/>
+        </p:nvSpPr>
+        <p:spPr>
+          <a:xfrm>
+            <a:off x="7086564" y="2679283"/>
+            <a:ext cx="1981128" cy="1583285"/>
+          </a:xfrm>
+          <a:prstGeom prst="roundRect">
+            <a:avLst>
+              <a:gd name="adj" fmla="val 16667"/>
+            </a:avLst>
+          </a:prstGeom>
+          <a:solidFill>
+            <a:srgbClr val="FDEFC2"/>
+          </a:solidFill>
+          <a:ln w="9525" cap="flat" cmpd="sng">
+            <a:noFill/>
+            <a:prstDash val="solid"/>
+            <a:round/>
+            <a:headEnd type="none" w="sm" len="sm"/>
+            <a:tailEnd type="none" w="sm" len="sm"/>
+          </a:ln>
+        </p:spPr>
+        <p:txBody>
+          <a:bodyPr spcFirstLastPara="1" wrap="square" lIns="121900" tIns="121900" rIns="121900" bIns="121900" anchor="ctr" anchorCtr="0">
+            <a:noAutofit/>
+          </a:bodyPr>
+          <a:lstStyle/>
+          <a:p>
+            <a:endParaRPr sz="6000" b="1" dirty="0">
+              <a:latin typeface="나눔손글씨 성실체" panose="02000503000000000000" pitchFamily="2" charset="-127"/>
+              <a:ea typeface="나눔손글씨 성실체" panose="02000503000000000000" pitchFamily="2" charset="-127"/>
+            </a:endParaRPr>
+          </a:p>
+        </p:txBody>
+      </p:sp>
+      <p:sp>
+        <p:nvSpPr>
+          <p:cNvPr id="7" name="Google Shape;3407;p72">
+            <a:extLst>
+              <a:ext uri="{FF2B5EF4-FFF2-40B4-BE49-F238E27FC236}">
+                <a16:creationId xmlns:a16="http://schemas.microsoft.com/office/drawing/2014/main" id="{DDF1716B-019E-DA3C-26AB-C8C5FDC550FC}"/>
+              </a:ext>
+            </a:extLst>
+          </p:cNvPr>
+          <p:cNvSpPr txBox="1"/>
+          <p:nvPr/>
+        </p:nvSpPr>
+        <p:spPr>
+          <a:xfrm>
+            <a:off x="2562827" y="2936464"/>
+            <a:ext cx="1981128" cy="923899"/>
+          </a:xfrm>
+          <a:prstGeom prst="rect">
+            <a:avLst/>
+          </a:prstGeom>
+          <a:noFill/>
+          <a:ln>
+            <a:noFill/>
+          </a:ln>
+        </p:spPr>
+        <p:txBody>
+          <a:bodyPr spcFirstLastPara="1" wrap="square" lIns="121900" tIns="121900" rIns="121900" bIns="121900" anchor="ctr" anchorCtr="0">
+            <a:noAutofit/>
+          </a:bodyPr>
+          <a:lstStyle/>
+          <a:p>
+            <a:pPr algn="ctr"/>
+            <a:r>
+              <a:rPr lang="en" sz="3600" b="1" dirty="0">
+                <a:solidFill>
+                  <a:srgbClr val="FFFFFF"/>
+                </a:solidFill>
+                <a:latin typeface="나눔손글씨 성실체" panose="02000503000000000000" pitchFamily="2" charset="-127"/>
+                <a:ea typeface="나눔손글씨 성실체" panose="02000503000000000000" pitchFamily="2" charset="-127"/>
+              </a:rPr>
+              <a:t>#575757</a:t>
+            </a:r>
+            <a:endParaRPr sz="3600" b="1" dirty="0">
+              <a:solidFill>
+                <a:srgbClr val="FFFFFF"/>
+              </a:solidFill>
+              <a:latin typeface="나눔손글씨 성실체" panose="02000503000000000000" pitchFamily="2" charset="-127"/>
+              <a:ea typeface="나눔손글씨 성실체" panose="02000503000000000000" pitchFamily="2" charset="-127"/>
+            </a:endParaRPr>
+          </a:p>
+        </p:txBody>
+      </p:sp>
+      <p:sp>
+        <p:nvSpPr>
+          <p:cNvPr id="8" name="Google Shape;3408;p72">
+            <a:extLst>
+              <a:ext uri="{FF2B5EF4-FFF2-40B4-BE49-F238E27FC236}">
+                <a16:creationId xmlns:a16="http://schemas.microsoft.com/office/drawing/2014/main" id="{C987FB94-187D-9A62-B492-3FE04B279B81}"/>
+              </a:ext>
+            </a:extLst>
+          </p:cNvPr>
+          <p:cNvSpPr txBox="1"/>
+          <p:nvPr/>
+        </p:nvSpPr>
+        <p:spPr>
+          <a:xfrm>
+            <a:off x="4818708" y="2978365"/>
+            <a:ext cx="1981128" cy="923899"/>
+          </a:xfrm>
+          <a:prstGeom prst="rect">
+            <a:avLst/>
+          </a:prstGeom>
+          <a:noFill/>
+          <a:ln>
+            <a:noFill/>
+          </a:ln>
+        </p:spPr>
+        <p:txBody>
+          <a:bodyPr spcFirstLastPara="1" wrap="square" lIns="121900" tIns="121900" rIns="121900" bIns="121900" anchor="ctr" anchorCtr="0">
+            <a:noAutofit/>
+          </a:bodyPr>
+          <a:lstStyle/>
+          <a:p>
+            <a:pPr algn="ctr"/>
+            <a:r>
+              <a:rPr lang="en" sz="3600" b="1" dirty="0">
+                <a:solidFill>
+                  <a:schemeClr val="dk1"/>
+                </a:solidFill>
+                <a:latin typeface="나눔손글씨 성실체" panose="02000503000000000000" pitchFamily="2" charset="-127"/>
+                <a:ea typeface="나눔손글씨 성실체" panose="02000503000000000000" pitchFamily="2" charset="-127"/>
+              </a:rPr>
+              <a:t>#fff7ee</a:t>
+            </a:r>
+            <a:endParaRPr sz="3600" b="1" dirty="0">
+              <a:solidFill>
+                <a:schemeClr val="dk1"/>
+              </a:solidFill>
+              <a:latin typeface="나눔손글씨 성실체" panose="02000503000000000000" pitchFamily="2" charset="-127"/>
+              <a:ea typeface="나눔손글씨 성실체" panose="02000503000000000000" pitchFamily="2" charset="-127"/>
+            </a:endParaRPr>
+          </a:p>
+        </p:txBody>
+      </p:sp>
+      <p:sp>
+        <p:nvSpPr>
+          <p:cNvPr id="9" name="Google Shape;3409;p72">
+            <a:extLst>
+              <a:ext uri="{FF2B5EF4-FFF2-40B4-BE49-F238E27FC236}">
+                <a16:creationId xmlns:a16="http://schemas.microsoft.com/office/drawing/2014/main" id="{9F51DD7A-B95B-54E1-315B-38DD2C1E292D}"/>
+              </a:ext>
+            </a:extLst>
+          </p:cNvPr>
+          <p:cNvSpPr txBox="1"/>
+          <p:nvPr/>
+        </p:nvSpPr>
+        <p:spPr>
+          <a:xfrm>
+            <a:off x="7086564" y="2967050"/>
+            <a:ext cx="1981128" cy="923899"/>
+          </a:xfrm>
+          <a:prstGeom prst="rect">
+            <a:avLst/>
+          </a:prstGeom>
+          <a:noFill/>
+          <a:ln>
+            <a:noFill/>
+          </a:ln>
+        </p:spPr>
+        <p:txBody>
+          <a:bodyPr spcFirstLastPara="1" wrap="square" lIns="121900" tIns="121900" rIns="121900" bIns="121900" anchor="ctr" anchorCtr="0">
+            <a:noAutofit/>
+          </a:bodyPr>
+          <a:lstStyle/>
+          <a:p>
+            <a:pPr algn="ctr"/>
+            <a:r>
+              <a:rPr lang="en" sz="3600" b="1" dirty="0">
+                <a:solidFill>
+                  <a:schemeClr val="dk1"/>
+                </a:solidFill>
+                <a:latin typeface="나눔손글씨 성실체" panose="02000503000000000000" pitchFamily="2" charset="-127"/>
+                <a:ea typeface="나눔손글씨 성실체" panose="02000503000000000000" pitchFamily="2" charset="-127"/>
+              </a:rPr>
+              <a:t>#fdefc2</a:t>
+            </a:r>
+            <a:endParaRPr sz="3600" b="1" dirty="0">
+              <a:solidFill>
+                <a:schemeClr val="dk1"/>
+              </a:solidFill>
+              <a:latin typeface="나눔손글씨 성실체" panose="02000503000000000000" pitchFamily="2" charset="-127"/>
+              <a:ea typeface="나눔손글씨 성실체" panose="02000503000000000000" pitchFamily="2" charset="-127"/>
+            </a:endParaRPr>
+          </a:p>
+        </p:txBody>
+      </p:sp>
+      <p:sp>
+        <p:nvSpPr>
+          <p:cNvPr id="10" name="Google Shape;3410;p72">
+            <a:extLst>
+              <a:ext uri="{FF2B5EF4-FFF2-40B4-BE49-F238E27FC236}">
+                <a16:creationId xmlns:a16="http://schemas.microsoft.com/office/drawing/2014/main" id="{CC58810D-EF65-05B4-5574-06CDAAB45DA3}"/>
+              </a:ext>
+            </a:extLst>
+          </p:cNvPr>
+          <p:cNvSpPr/>
+          <p:nvPr/>
+        </p:nvSpPr>
+        <p:spPr>
+          <a:xfrm>
+            <a:off x="2562827" y="4600491"/>
+            <a:ext cx="1981128" cy="1583285"/>
+          </a:xfrm>
+          <a:prstGeom prst="roundRect">
+            <a:avLst>
+              <a:gd name="adj" fmla="val 16667"/>
+            </a:avLst>
+          </a:prstGeom>
+          <a:solidFill>
+            <a:srgbClr val="ECF2FF"/>
+          </a:solidFill>
+          <a:ln w="9525" cap="flat" cmpd="sng">
+            <a:noFill/>
+            <a:prstDash val="solid"/>
+            <a:round/>
+            <a:headEnd type="none" w="sm" len="sm"/>
+            <a:tailEnd type="none" w="sm" len="sm"/>
+          </a:ln>
+        </p:spPr>
+        <p:txBody>
+          <a:bodyPr spcFirstLastPara="1" wrap="square" lIns="121900" tIns="121900" rIns="121900" bIns="121900" anchor="ctr" anchorCtr="0">
+            <a:noAutofit/>
+          </a:bodyPr>
+          <a:lstStyle/>
+          <a:p>
+            <a:endParaRPr sz="6000" b="1">
+              <a:latin typeface="나눔손글씨 성실체" panose="02000503000000000000" pitchFamily="2" charset="-127"/>
+              <a:ea typeface="나눔손글씨 성실체" panose="02000503000000000000" pitchFamily="2" charset="-127"/>
+            </a:endParaRPr>
+          </a:p>
+        </p:txBody>
+      </p:sp>
+      <p:sp>
+        <p:nvSpPr>
+          <p:cNvPr id="11" name="Google Shape;3411;p72">
+            <a:extLst>
+              <a:ext uri="{FF2B5EF4-FFF2-40B4-BE49-F238E27FC236}">
+                <a16:creationId xmlns:a16="http://schemas.microsoft.com/office/drawing/2014/main" id="{34B3E4C6-BF8F-BD82-0F42-C3FEC515678B}"/>
+              </a:ext>
+            </a:extLst>
+          </p:cNvPr>
+          <p:cNvSpPr txBox="1"/>
+          <p:nvPr/>
+        </p:nvSpPr>
+        <p:spPr>
+          <a:xfrm>
+            <a:off x="2518883" y="4880029"/>
+            <a:ext cx="1981128" cy="923899"/>
+          </a:xfrm>
+          <a:prstGeom prst="rect">
+            <a:avLst/>
+          </a:prstGeom>
+          <a:noFill/>
+          <a:ln>
+            <a:noFill/>
+          </a:ln>
+        </p:spPr>
+        <p:txBody>
+          <a:bodyPr spcFirstLastPara="1" wrap="square" lIns="121900" tIns="121900" rIns="121900" bIns="121900" anchor="ctr" anchorCtr="0">
+            <a:noAutofit/>
+          </a:bodyPr>
+          <a:lstStyle/>
+          <a:p>
+            <a:pPr algn="ctr"/>
+            <a:r>
+              <a:rPr lang="en" sz="3600" b="1" dirty="0">
+                <a:solidFill>
+                  <a:schemeClr val="dk1"/>
+                </a:solidFill>
+                <a:latin typeface="나눔손글씨 성실체" panose="02000503000000000000" pitchFamily="2" charset="-127"/>
+                <a:ea typeface="나눔손글씨 성실체" panose="02000503000000000000" pitchFamily="2" charset="-127"/>
+              </a:rPr>
+              <a:t>#ecf2ff</a:t>
+            </a:r>
+            <a:endParaRPr sz="3600" b="1" dirty="0">
+              <a:solidFill>
+                <a:schemeClr val="dk1"/>
+              </a:solidFill>
+              <a:latin typeface="나눔손글씨 성실체" panose="02000503000000000000" pitchFamily="2" charset="-127"/>
+              <a:ea typeface="나눔손글씨 성실체" panose="02000503000000000000" pitchFamily="2" charset="-127"/>
+            </a:endParaRPr>
+          </a:p>
+        </p:txBody>
+      </p:sp>
+      <p:sp>
+        <p:nvSpPr>
+          <p:cNvPr id="12" name="Google Shape;3412;p72">
+            <a:extLst>
+              <a:ext uri="{FF2B5EF4-FFF2-40B4-BE49-F238E27FC236}">
+                <a16:creationId xmlns:a16="http://schemas.microsoft.com/office/drawing/2014/main" id="{EC800271-41D9-27C2-715B-FEAEC90E3AF0}"/>
+              </a:ext>
+            </a:extLst>
+          </p:cNvPr>
+          <p:cNvSpPr/>
+          <p:nvPr/>
+        </p:nvSpPr>
+        <p:spPr>
+          <a:xfrm>
+            <a:off x="7225072" y="4550336"/>
+            <a:ext cx="1981128" cy="1583285"/>
+          </a:xfrm>
+          <a:prstGeom prst="roundRect">
+            <a:avLst>
+              <a:gd name="adj" fmla="val 16667"/>
+            </a:avLst>
+          </a:prstGeom>
+          <a:solidFill>
+            <a:srgbClr val="F8F1FF"/>
+          </a:solidFill>
+          <a:ln w="9525" cap="flat" cmpd="sng">
+            <a:noFill/>
+            <a:prstDash val="solid"/>
+            <a:round/>
+            <a:headEnd type="none" w="sm" len="sm"/>
+            <a:tailEnd type="none" w="sm" len="sm"/>
+          </a:ln>
+        </p:spPr>
+        <p:txBody>
+          <a:bodyPr spcFirstLastPara="1" wrap="square" lIns="121900" tIns="121900" rIns="121900" bIns="121900" anchor="ctr" anchorCtr="0">
+            <a:noAutofit/>
+          </a:bodyPr>
+          <a:lstStyle/>
+          <a:p>
+            <a:endParaRPr sz="6000" b="1">
+              <a:latin typeface="나눔손글씨 성실체" panose="02000503000000000000" pitchFamily="2" charset="-127"/>
+              <a:ea typeface="나눔손글씨 성실체" panose="02000503000000000000" pitchFamily="2" charset="-127"/>
+            </a:endParaRPr>
+          </a:p>
+        </p:txBody>
+      </p:sp>
+      <p:sp>
+        <p:nvSpPr>
+          <p:cNvPr id="13" name="Google Shape;3413;p72">
+            <a:extLst>
+              <a:ext uri="{FF2B5EF4-FFF2-40B4-BE49-F238E27FC236}">
+                <a16:creationId xmlns:a16="http://schemas.microsoft.com/office/drawing/2014/main" id="{9B7BE521-D9AA-6220-F1E3-C44179A3DE3C}"/>
+              </a:ext>
+            </a:extLst>
+          </p:cNvPr>
+          <p:cNvSpPr txBox="1"/>
+          <p:nvPr/>
+        </p:nvSpPr>
+        <p:spPr>
+          <a:xfrm>
+            <a:off x="7225072" y="4921736"/>
+            <a:ext cx="1981128" cy="923899"/>
+          </a:xfrm>
+          <a:prstGeom prst="rect">
+            <a:avLst/>
+          </a:prstGeom>
+          <a:noFill/>
+          <a:ln>
+            <a:noFill/>
+          </a:ln>
+        </p:spPr>
+        <p:txBody>
+          <a:bodyPr spcFirstLastPara="1" wrap="square" lIns="121900" tIns="121900" rIns="121900" bIns="121900" anchor="ctr" anchorCtr="0">
+            <a:noAutofit/>
+          </a:bodyPr>
+          <a:lstStyle/>
+          <a:p>
+            <a:pPr algn="ctr"/>
+            <a:r>
+              <a:rPr lang="en" sz="3600" b="1">
+                <a:solidFill>
+                  <a:schemeClr val="dk1"/>
+                </a:solidFill>
+                <a:latin typeface="나눔손글씨 성실체" panose="02000503000000000000" pitchFamily="2" charset="-127"/>
+                <a:ea typeface="나눔손글씨 성실체" panose="02000503000000000000" pitchFamily="2" charset="-127"/>
+              </a:rPr>
+              <a:t>#f8f1ff</a:t>
+            </a:r>
+            <a:endParaRPr sz="3600" b="1">
+              <a:solidFill>
+                <a:schemeClr val="dk1"/>
+              </a:solidFill>
+              <a:latin typeface="나눔손글씨 성실체" panose="02000503000000000000" pitchFamily="2" charset="-127"/>
+              <a:ea typeface="나눔손글씨 성실체" panose="02000503000000000000" pitchFamily="2" charset="-127"/>
+            </a:endParaRPr>
+          </a:p>
+        </p:txBody>
+      </p:sp>
+      <p:sp>
+        <p:nvSpPr>
+          <p:cNvPr id="14" name="Google Shape;3414;p72">
+            <a:extLst>
+              <a:ext uri="{FF2B5EF4-FFF2-40B4-BE49-F238E27FC236}">
+                <a16:creationId xmlns:a16="http://schemas.microsoft.com/office/drawing/2014/main" id="{B4109B02-2139-D0CF-44D7-3DF79DE9833A}"/>
+              </a:ext>
+            </a:extLst>
+          </p:cNvPr>
+          <p:cNvSpPr/>
+          <p:nvPr/>
+        </p:nvSpPr>
+        <p:spPr>
+          <a:xfrm>
+            <a:off x="4879908" y="4592043"/>
+            <a:ext cx="1981128" cy="1583285"/>
+          </a:xfrm>
+          <a:prstGeom prst="roundRect">
+            <a:avLst>
+              <a:gd name="adj" fmla="val 16667"/>
+            </a:avLst>
+          </a:prstGeom>
+          <a:solidFill>
+            <a:srgbClr val="E3DFFD"/>
+          </a:solidFill>
+          <a:ln w="9525" cap="flat" cmpd="sng">
+            <a:noFill/>
+            <a:prstDash val="solid"/>
+            <a:round/>
+            <a:headEnd type="none" w="sm" len="sm"/>
+            <a:tailEnd type="none" w="sm" len="sm"/>
+          </a:ln>
+        </p:spPr>
+        <p:txBody>
+          <a:bodyPr spcFirstLastPara="1" wrap="square" lIns="121900" tIns="121900" rIns="121900" bIns="121900" anchor="ctr" anchorCtr="0">
+            <a:noAutofit/>
+          </a:bodyPr>
+          <a:lstStyle/>
+          <a:p>
+            <a:endParaRPr sz="6000" b="1">
+              <a:latin typeface="나눔손글씨 성실체" panose="02000503000000000000" pitchFamily="2" charset="-127"/>
+              <a:ea typeface="나눔손글씨 성실체" panose="02000503000000000000" pitchFamily="2" charset="-127"/>
+            </a:endParaRPr>
+          </a:p>
+        </p:txBody>
+      </p:sp>
+      <p:sp>
+        <p:nvSpPr>
+          <p:cNvPr id="15" name="Google Shape;3415;p72">
+            <a:extLst>
+              <a:ext uri="{FF2B5EF4-FFF2-40B4-BE49-F238E27FC236}">
+                <a16:creationId xmlns:a16="http://schemas.microsoft.com/office/drawing/2014/main" id="{6AFAE251-D19F-1529-C265-3B5B6B6FB2DE}"/>
+              </a:ext>
+            </a:extLst>
+          </p:cNvPr>
+          <p:cNvSpPr txBox="1"/>
+          <p:nvPr/>
+        </p:nvSpPr>
+        <p:spPr>
+          <a:xfrm>
+            <a:off x="4835964" y="4880029"/>
+            <a:ext cx="1981128" cy="923899"/>
+          </a:xfrm>
+          <a:prstGeom prst="rect">
+            <a:avLst/>
+          </a:prstGeom>
+          <a:noFill/>
+          <a:ln>
+            <a:noFill/>
+          </a:ln>
+        </p:spPr>
+        <p:txBody>
+          <a:bodyPr spcFirstLastPara="1" wrap="square" lIns="121900" tIns="121900" rIns="121900" bIns="121900" anchor="ctr" anchorCtr="0">
+            <a:noAutofit/>
+          </a:bodyPr>
+          <a:lstStyle/>
+          <a:p>
+            <a:pPr algn="ctr"/>
+            <a:r>
+              <a:rPr lang="en" sz="3600" b="1" dirty="0">
+                <a:solidFill>
+                  <a:schemeClr val="dk1"/>
+                </a:solidFill>
+                <a:latin typeface="나눔손글씨 성실체" panose="02000503000000000000" pitchFamily="2" charset="-127"/>
+                <a:ea typeface="나눔손글씨 성실체" panose="02000503000000000000" pitchFamily="2" charset="-127"/>
+              </a:rPr>
+              <a:t>#e3dffd</a:t>
+            </a:r>
+            <a:endParaRPr sz="3600" b="1" dirty="0">
+              <a:solidFill>
+                <a:schemeClr val="dk1"/>
+              </a:solidFill>
+              <a:latin typeface="나눔손글씨 성실체" panose="02000503000000000000" pitchFamily="2" charset="-127"/>
+              <a:ea typeface="나눔손글씨 성실체" panose="02000503000000000000" pitchFamily="2" charset="-127"/>
+            </a:endParaRPr>
+          </a:p>
+        </p:txBody>
+      </p:sp>
+      <p:sp>
+        <p:nvSpPr>
+          <p:cNvPr id="17" name="제목 1">
+            <a:extLst>
+              <a:ext uri="{FF2B5EF4-FFF2-40B4-BE49-F238E27FC236}">
+                <a16:creationId xmlns:a16="http://schemas.microsoft.com/office/drawing/2014/main" id="{4E50320E-CDF4-BD5E-A21B-6351C06AA4A1}"/>
               </a:ext>
             </a:extLst>
           </p:cNvPr>
@@ -35904,7 +36494,7 @@
             <a:ext cx="6220400" cy="1491200"/>
           </a:xfrm>
           <a:solidFill>
-            <a:srgbClr val="F5F0BB"/>
+            <a:srgbClr val="FDEFC2"/>
           </a:solidFill>
         </p:spPr>
         <p:txBody>
@@ -35932,400 +36522,10 @@
           </a:p>
         </p:txBody>
       </p:sp>
-      <p:sp>
-        <p:nvSpPr>
-          <p:cNvPr id="4" name="Google Shape;3404;p72">
-            <a:extLst>
-              <a:ext uri="{FF2B5EF4-FFF2-40B4-BE49-F238E27FC236}">
-                <a16:creationId xmlns:a16="http://schemas.microsoft.com/office/drawing/2014/main" id="{4877A164-CDAF-359E-38E9-8DEBD211115A}"/>
-              </a:ext>
-            </a:extLst>
-          </p:cNvPr>
-          <p:cNvSpPr/>
-          <p:nvPr/>
-        </p:nvSpPr>
-        <p:spPr>
-          <a:xfrm>
-            <a:off x="1620237" y="3465097"/>
-            <a:ext cx="1981128" cy="1583285"/>
-          </a:xfrm>
-          <a:prstGeom prst="roundRect">
-            <a:avLst>
-              <a:gd name="adj" fmla="val 16667"/>
-            </a:avLst>
-          </a:prstGeom>
-          <a:solidFill>
-            <a:srgbClr val="F5F0BB"/>
-          </a:solidFill>
-          <a:ln w="9525" cap="flat" cmpd="sng">
-            <a:noFill/>
-            <a:prstDash val="solid"/>
-            <a:round/>
-            <a:headEnd type="none" w="sm" len="sm"/>
-            <a:tailEnd type="none" w="sm" len="sm"/>
-          </a:ln>
-        </p:spPr>
-        <p:txBody>
-          <a:bodyPr spcFirstLastPara="1" wrap="square" lIns="121900" tIns="121900" rIns="121900" bIns="121900" anchor="ctr" anchorCtr="0">
-            <a:noAutofit/>
-          </a:bodyPr>
-          <a:lstStyle/>
-          <a:p>
-            <a:endParaRPr sz="2400"/>
-          </a:p>
-        </p:txBody>
-      </p:sp>
-      <p:sp>
-        <p:nvSpPr>
-          <p:cNvPr id="5" name="Google Shape;3405;p72">
-            <a:extLst>
-              <a:ext uri="{FF2B5EF4-FFF2-40B4-BE49-F238E27FC236}">
-                <a16:creationId xmlns:a16="http://schemas.microsoft.com/office/drawing/2014/main" id="{35407105-A1ED-61D6-1AE7-0BE8DA572DE7}"/>
-              </a:ext>
-            </a:extLst>
-          </p:cNvPr>
-          <p:cNvSpPr/>
-          <p:nvPr/>
-        </p:nvSpPr>
-        <p:spPr>
-          <a:xfrm>
-            <a:off x="3888093" y="3439467"/>
-            <a:ext cx="1981128" cy="1583285"/>
-          </a:xfrm>
-          <a:prstGeom prst="roundRect">
-            <a:avLst>
-              <a:gd name="adj" fmla="val 16667"/>
-            </a:avLst>
-          </a:prstGeom>
-          <a:solidFill>
-            <a:srgbClr val="DBDFAA"/>
-          </a:solidFill>
-          <a:ln w="9525" cap="flat" cmpd="sng">
-            <a:noFill/>
-            <a:prstDash val="solid"/>
-            <a:round/>
-            <a:headEnd type="none" w="sm" len="sm"/>
-            <a:tailEnd type="none" w="sm" len="sm"/>
-          </a:ln>
-        </p:spPr>
-        <p:txBody>
-          <a:bodyPr spcFirstLastPara="1" wrap="square" lIns="121900" tIns="121900" rIns="121900" bIns="121900" anchor="ctr" anchorCtr="0">
-            <a:noAutofit/>
-          </a:bodyPr>
-          <a:lstStyle/>
-          <a:p>
-            <a:endParaRPr sz="2400"/>
-          </a:p>
-        </p:txBody>
-      </p:sp>
-      <p:sp>
-        <p:nvSpPr>
-          <p:cNvPr id="6" name="Google Shape;3406;p72">
-            <a:extLst>
-              <a:ext uri="{FF2B5EF4-FFF2-40B4-BE49-F238E27FC236}">
-                <a16:creationId xmlns:a16="http://schemas.microsoft.com/office/drawing/2014/main" id="{0010346E-C5DB-F26E-E350-FE66BE109FE1}"/>
-              </a:ext>
-            </a:extLst>
-          </p:cNvPr>
-          <p:cNvSpPr/>
-          <p:nvPr/>
-        </p:nvSpPr>
-        <p:spPr>
-          <a:xfrm>
-            <a:off x="6140081" y="3481392"/>
-            <a:ext cx="1981128" cy="1583285"/>
-          </a:xfrm>
-          <a:prstGeom prst="roundRect">
-            <a:avLst>
-              <a:gd name="adj" fmla="val 16667"/>
-            </a:avLst>
-          </a:prstGeom>
-          <a:solidFill>
-            <a:srgbClr val="B3C890"/>
-          </a:solidFill>
-          <a:ln w="9525" cap="flat" cmpd="sng">
-            <a:noFill/>
-            <a:prstDash val="solid"/>
-            <a:round/>
-            <a:headEnd type="none" w="sm" len="sm"/>
-            <a:tailEnd type="none" w="sm" len="sm"/>
-          </a:ln>
-        </p:spPr>
-        <p:txBody>
-          <a:bodyPr spcFirstLastPara="1" wrap="square" lIns="121900" tIns="121900" rIns="121900" bIns="121900" anchor="ctr" anchorCtr="0">
-            <a:noAutofit/>
-          </a:bodyPr>
-          <a:lstStyle/>
-          <a:p>
-            <a:endParaRPr sz="6000">
-              <a:latin typeface="나눔손글씨 성실체" panose="02000503000000000000" pitchFamily="2" charset="-127"/>
-              <a:ea typeface="나눔손글씨 성실체" panose="02000503000000000000" pitchFamily="2" charset="-127"/>
-            </a:endParaRPr>
-          </a:p>
-        </p:txBody>
-      </p:sp>
-      <p:sp>
-        <p:nvSpPr>
-          <p:cNvPr id="7" name="Google Shape;3407;p72">
-            <a:extLst>
-              <a:ext uri="{FF2B5EF4-FFF2-40B4-BE49-F238E27FC236}">
-                <a16:creationId xmlns:a16="http://schemas.microsoft.com/office/drawing/2014/main" id="{DDF1716B-019E-DA3C-26AB-C8C5FDC550FC}"/>
-              </a:ext>
-            </a:extLst>
-          </p:cNvPr>
-          <p:cNvSpPr txBox="1"/>
-          <p:nvPr/>
-        </p:nvSpPr>
-        <p:spPr>
-          <a:xfrm>
-            <a:off x="1616344" y="3738573"/>
-            <a:ext cx="1981128" cy="923899"/>
-          </a:xfrm>
-          <a:prstGeom prst="rect">
-            <a:avLst/>
-          </a:prstGeom>
-          <a:noFill/>
-          <a:ln>
-            <a:noFill/>
-          </a:ln>
-        </p:spPr>
-        <p:txBody>
-          <a:bodyPr spcFirstLastPara="1" wrap="square" lIns="121900" tIns="121900" rIns="121900" bIns="121900" anchor="ctr" anchorCtr="0">
-            <a:noAutofit/>
-          </a:bodyPr>
-          <a:lstStyle/>
-          <a:p>
-            <a:pPr algn="ctr"/>
-            <a:r>
-              <a:rPr lang="en-US" sz="3600" dirty="0">
-                <a:solidFill>
-                  <a:schemeClr val="accent1">
-                    <a:lumMod val="10000"/>
-                  </a:schemeClr>
-                </a:solidFill>
-                <a:latin typeface="나눔손글씨 성실체" panose="02000503000000000000" pitchFamily="2" charset="-127"/>
-                <a:ea typeface="나눔손글씨 성실체" panose="02000503000000000000" pitchFamily="2" charset="-127"/>
-              </a:rPr>
-              <a:t>#F5F0BB</a:t>
-            </a:r>
-            <a:endParaRPr sz="3600" dirty="0">
-              <a:solidFill>
-                <a:schemeClr val="accent1">
-                  <a:lumMod val="10000"/>
-                </a:schemeClr>
-              </a:solidFill>
-              <a:latin typeface="나눔손글씨 성실체" panose="02000503000000000000" pitchFamily="2" charset="-127"/>
-              <a:ea typeface="나눔손글씨 성실체" panose="02000503000000000000" pitchFamily="2" charset="-127"/>
-            </a:endParaRPr>
-          </a:p>
-        </p:txBody>
-      </p:sp>
-      <p:sp>
-        <p:nvSpPr>
-          <p:cNvPr id="8" name="Google Shape;3408;p72">
-            <a:extLst>
-              <a:ext uri="{FF2B5EF4-FFF2-40B4-BE49-F238E27FC236}">
-                <a16:creationId xmlns:a16="http://schemas.microsoft.com/office/drawing/2014/main" id="{C987FB94-187D-9A62-B492-3FE04B279B81}"/>
-              </a:ext>
-            </a:extLst>
-          </p:cNvPr>
-          <p:cNvSpPr txBox="1"/>
-          <p:nvPr/>
-        </p:nvSpPr>
-        <p:spPr>
-          <a:xfrm>
-            <a:off x="3852290" y="3769159"/>
-            <a:ext cx="1981128" cy="923899"/>
-          </a:xfrm>
-          <a:prstGeom prst="rect">
-            <a:avLst/>
-          </a:prstGeom>
-          <a:noFill/>
-          <a:ln>
-            <a:noFill/>
-          </a:ln>
-        </p:spPr>
-        <p:txBody>
-          <a:bodyPr spcFirstLastPara="1" wrap="square" lIns="121900" tIns="121900" rIns="121900" bIns="121900" anchor="ctr" anchorCtr="0">
-            <a:noAutofit/>
-          </a:bodyPr>
-          <a:lstStyle/>
-          <a:p>
-            <a:pPr algn="ctr"/>
-            <a:r>
-              <a:rPr lang="en-US" sz="3600" dirty="0">
-                <a:solidFill>
-                  <a:schemeClr val="dk1"/>
-                </a:solidFill>
-                <a:latin typeface="나눔손글씨 성실체" panose="02000503000000000000" pitchFamily="2" charset="-127"/>
-                <a:ea typeface="나눔손글씨 성실체" panose="02000503000000000000" pitchFamily="2" charset="-127"/>
-              </a:rPr>
-              <a:t>#DBDFAA</a:t>
-            </a:r>
-            <a:endParaRPr sz="3600" dirty="0">
-              <a:solidFill>
-                <a:schemeClr val="dk1"/>
-              </a:solidFill>
-              <a:latin typeface="나눔손글씨 성실체" panose="02000503000000000000" pitchFamily="2" charset="-127"/>
-              <a:ea typeface="나눔손글씨 성실체" panose="02000503000000000000" pitchFamily="2" charset="-127"/>
-            </a:endParaRPr>
-          </a:p>
-        </p:txBody>
-      </p:sp>
-      <p:sp>
-        <p:nvSpPr>
-          <p:cNvPr id="9" name="Google Shape;3409;p72">
-            <a:extLst>
-              <a:ext uri="{FF2B5EF4-FFF2-40B4-BE49-F238E27FC236}">
-                <a16:creationId xmlns:a16="http://schemas.microsoft.com/office/drawing/2014/main" id="{9F51DD7A-B95B-54E1-315B-38DD2C1E292D}"/>
-              </a:ext>
-            </a:extLst>
-          </p:cNvPr>
-          <p:cNvSpPr txBox="1"/>
-          <p:nvPr/>
-        </p:nvSpPr>
-        <p:spPr>
-          <a:xfrm>
-            <a:off x="6148162" y="3769160"/>
-            <a:ext cx="1981128" cy="923899"/>
-          </a:xfrm>
-          <a:prstGeom prst="rect">
-            <a:avLst/>
-          </a:prstGeom>
-          <a:noFill/>
-          <a:ln>
-            <a:noFill/>
-          </a:ln>
-        </p:spPr>
-        <p:txBody>
-          <a:bodyPr spcFirstLastPara="1" wrap="square" lIns="121900" tIns="121900" rIns="121900" bIns="121900" anchor="ctr" anchorCtr="0">
-            <a:noAutofit/>
-          </a:bodyPr>
-          <a:lstStyle/>
-          <a:p>
-            <a:pPr algn="ctr"/>
-            <a:r>
-              <a:rPr lang="en-US" sz="3600" dirty="0">
-                <a:solidFill>
-                  <a:schemeClr val="dk1"/>
-                </a:solidFill>
-                <a:latin typeface="나눔손글씨 성실체" panose="02000503000000000000" pitchFamily="2" charset="-127"/>
-                <a:ea typeface="나눔손글씨 성실체" panose="02000503000000000000" pitchFamily="2" charset="-127"/>
-              </a:rPr>
-              <a:t>#B3C890</a:t>
-            </a:r>
-            <a:endParaRPr sz="3600" dirty="0">
-              <a:solidFill>
-                <a:schemeClr val="dk1"/>
-              </a:solidFill>
-              <a:latin typeface="나눔손글씨 성실체" panose="02000503000000000000" pitchFamily="2" charset="-127"/>
-              <a:ea typeface="나눔손글씨 성실체" panose="02000503000000000000" pitchFamily="2" charset="-127"/>
-            </a:endParaRPr>
-          </a:p>
-        </p:txBody>
-      </p:sp>
-      <p:sp>
-        <p:nvSpPr>
-          <p:cNvPr id="10" name="Google Shape;3410;p72">
-            <a:extLst>
-              <a:ext uri="{FF2B5EF4-FFF2-40B4-BE49-F238E27FC236}">
-                <a16:creationId xmlns:a16="http://schemas.microsoft.com/office/drawing/2014/main" id="{CC58810D-EF65-05B4-5574-06CDAAB45DA3}"/>
-              </a:ext>
-            </a:extLst>
-          </p:cNvPr>
-          <p:cNvSpPr/>
-          <p:nvPr/>
-        </p:nvSpPr>
-        <p:spPr>
-          <a:xfrm>
-            <a:off x="8428118" y="3481392"/>
-            <a:ext cx="1981128" cy="1583285"/>
-          </a:xfrm>
-          <a:prstGeom prst="roundRect">
-            <a:avLst>
-              <a:gd name="adj" fmla="val 16667"/>
-            </a:avLst>
-          </a:prstGeom>
-          <a:solidFill>
-            <a:srgbClr val="73A9AD"/>
-          </a:solidFill>
-          <a:ln w="9525" cap="flat" cmpd="sng">
-            <a:noFill/>
-            <a:prstDash val="solid"/>
-            <a:round/>
-            <a:headEnd type="none" w="sm" len="sm"/>
-            <a:tailEnd type="none" w="sm" len="sm"/>
-          </a:ln>
-        </p:spPr>
-        <p:txBody>
-          <a:bodyPr spcFirstLastPara="1" wrap="square" lIns="121900" tIns="121900" rIns="121900" bIns="121900" anchor="ctr" anchorCtr="0">
-            <a:noAutofit/>
-          </a:bodyPr>
-          <a:lstStyle/>
-          <a:p>
-            <a:endParaRPr sz="6000">
-              <a:latin typeface="나눔손글씨 성실체" panose="02000503000000000000" pitchFamily="2" charset="-127"/>
-              <a:ea typeface="나눔손글씨 성실체" panose="02000503000000000000" pitchFamily="2" charset="-127"/>
-            </a:endParaRPr>
-          </a:p>
-        </p:txBody>
-      </p:sp>
-      <p:sp>
-        <p:nvSpPr>
-          <p:cNvPr id="11" name="Google Shape;3411;p72">
-            <a:extLst>
-              <a:ext uri="{FF2B5EF4-FFF2-40B4-BE49-F238E27FC236}">
-                <a16:creationId xmlns:a16="http://schemas.microsoft.com/office/drawing/2014/main" id="{34B3E4C6-BF8F-BD82-0F42-C3FEC515678B}"/>
-              </a:ext>
-            </a:extLst>
-          </p:cNvPr>
-          <p:cNvSpPr txBox="1"/>
-          <p:nvPr/>
-        </p:nvSpPr>
-        <p:spPr>
-          <a:xfrm>
-            <a:off x="8420260" y="3819176"/>
-            <a:ext cx="1981128" cy="923899"/>
-          </a:xfrm>
-          <a:prstGeom prst="rect">
-            <a:avLst/>
-          </a:prstGeom>
-          <a:noFill/>
-          <a:ln>
-            <a:noFill/>
-          </a:ln>
-        </p:spPr>
-        <p:txBody>
-          <a:bodyPr spcFirstLastPara="1" wrap="square" lIns="121900" tIns="121900" rIns="121900" bIns="121900" anchor="ctr" anchorCtr="0">
-            <a:noAutofit/>
-          </a:bodyPr>
-          <a:lstStyle/>
-          <a:p>
-            <a:pPr algn="ctr"/>
-            <a:r>
-              <a:rPr lang="en-US" sz="3600" dirty="0">
-                <a:solidFill>
-                  <a:schemeClr val="dk1"/>
-                </a:solidFill>
-                <a:latin typeface="나눔손글씨 성실체" panose="02000503000000000000" pitchFamily="2" charset="-127"/>
-                <a:ea typeface="나눔손글씨 성실체" panose="02000503000000000000" pitchFamily="2" charset="-127"/>
-              </a:rPr>
-              <a:t>#73A9AD</a:t>
-            </a:r>
-            <a:endParaRPr sz="3600" dirty="0">
-              <a:solidFill>
-                <a:schemeClr val="dk1"/>
-              </a:solidFill>
-              <a:latin typeface="나눔손글씨 성실체" panose="02000503000000000000" pitchFamily="2" charset="-127"/>
-              <a:ea typeface="나눔손글씨 성실체" panose="02000503000000000000" pitchFamily="2" charset="-127"/>
-            </a:endParaRPr>
-          </a:p>
-        </p:txBody>
-      </p:sp>
     </p:spTree>
     <p:extLst>
       <p:ext uri="{BB962C8B-B14F-4D97-AF65-F5344CB8AC3E}">
-        <p14:creationId xmlns:p14="http://schemas.microsoft.com/office/powerpoint/2010/main" val="1655579354"/>
+        <p14:creationId xmlns:p14="http://schemas.microsoft.com/office/powerpoint/2010/main" val="1695989839"/>
       </p:ext>
     </p:extLst>
   </p:cSld>
@@ -36374,7 +36574,7 @@
             <a:ext cx="6220400" cy="1491200"/>
           </a:xfrm>
           <a:solidFill>
-            <a:srgbClr val="F5F0BB"/>
+            <a:srgbClr val="FDEFC2"/>
           </a:solidFill>
         </p:spPr>
         <p:txBody>
@@ -36674,7 +36874,7 @@
             <a:avLst/>
           </a:prstGeom>
           <a:solidFill>
-            <a:schemeClr val="lt2"/>
+            <a:srgbClr val="ECF2FF"/>
           </a:solidFill>
           <a:effectLst>
             <a:outerShdw blurRad="57150" dist="38100" dir="5400000" algn="bl" rotWithShape="0">
@@ -36963,7 +37163,7 @@
             <a:ext cx="6220400" cy="1491200"/>
           </a:xfrm>
           <a:solidFill>
-            <a:srgbClr val="F5F0BB"/>
+            <a:srgbClr val="FDEFC2"/>
           </a:solidFill>
         </p:spPr>
         <p:txBody>
@@ -37014,7 +37214,7 @@
             <a:avLst/>
           </a:prstGeom>
           <a:solidFill>
-            <a:schemeClr val="lt2"/>
+            <a:srgbClr val="ECF2FF"/>
           </a:solidFill>
           <a:effectLst>
             <a:outerShdw blurRad="57150" dist="38100" dir="5400000" algn="bl" rotWithShape="0">
@@ -37447,7 +37647,7 @@
             <a:avLst/>
           </a:prstGeom>
           <a:solidFill>
-            <a:srgbClr val="F5F0BB"/>
+            <a:srgbClr val="FDEFC2"/>
           </a:solidFill>
           <a:ln>
             <a:solidFill>
@@ -37668,12 +37868,10 @@
             <a:avLst/>
           </a:prstGeom>
           <a:solidFill>
-            <a:srgbClr val="73A9AD"/>
+            <a:srgbClr val="E3DFFD"/>
           </a:solidFill>
           <a:ln>
-            <a:solidFill>
-              <a:srgbClr val="73A9AD"/>
-            </a:solidFill>
+            <a:noFill/>
           </a:ln>
         </p:spPr>
         <p:style>
@@ -37699,12 +37897,18 @@
             <a:pPr algn="ctr"/>
             <a:r>
               <a:rPr lang="ko-KR" altLang="en-US" sz="2800" dirty="0" err="1">
+                <a:solidFill>
+                  <a:schemeClr val="tx1"/>
+                </a:solidFill>
                 <a:latin typeface="나눔손글씨 성실체" panose="02000503000000000000" pitchFamily="2" charset="-127"/>
                 <a:ea typeface="나눔손글씨 성실체" panose="02000503000000000000" pitchFamily="2" charset="-127"/>
               </a:rPr>
               <a:t>메인메뉴</a:t>
             </a:r>
             <a:endParaRPr lang="ko-KR" altLang="en-US" sz="2800" dirty="0">
+              <a:solidFill>
+                <a:schemeClr val="tx1"/>
+              </a:solidFill>
               <a:latin typeface="나눔손글씨 성실체" panose="02000503000000000000" pitchFamily="2" charset="-127"/>
               <a:ea typeface="나눔손글씨 성실체" panose="02000503000000000000" pitchFamily="2" charset="-127"/>
             </a:endParaRPr>
@@ -37732,12 +37936,10 @@
             <a:avLst/>
           </a:prstGeom>
           <a:solidFill>
-            <a:srgbClr val="73A9AD"/>
+            <a:srgbClr val="E3DFFD"/>
           </a:solidFill>
           <a:ln>
-            <a:solidFill>
-              <a:srgbClr val="73A9AD"/>
-            </a:solidFill>
+            <a:noFill/>
           </a:ln>
         </p:spPr>
         <p:style>
@@ -37763,6 +37965,9 @@
             <a:pPr algn="ctr"/>
             <a:r>
               <a:rPr lang="ko-KR" altLang="en-US" sz="2800" dirty="0">
+                <a:solidFill>
+                  <a:schemeClr val="tx1"/>
+                </a:solidFill>
                 <a:latin typeface="나눔손글씨 성실체" panose="02000503000000000000" pitchFamily="2" charset="-127"/>
                 <a:ea typeface="나눔손글씨 성실체" panose="02000503000000000000" pitchFamily="2" charset="-127"/>
               </a:rPr>
@@ -37792,7 +37997,7 @@
             <a:avLst/>
           </a:prstGeom>
           <a:solidFill>
-            <a:srgbClr val="73A9AD"/>
+            <a:srgbClr val="E3DFFD"/>
           </a:solidFill>
           <a:ln>
             <a:noFill/>
@@ -37821,6 +38026,9 @@
             <a:pPr algn="ctr"/>
             <a:r>
               <a:rPr lang="ko-KR" altLang="en-US" sz="2800" dirty="0">
+                <a:solidFill>
+                  <a:schemeClr val="tx1"/>
+                </a:solidFill>
                 <a:latin typeface="나눔손글씨 성실체" panose="02000503000000000000" pitchFamily="2" charset="-127"/>
                 <a:ea typeface="나눔손글씨 성실체" panose="02000503000000000000" pitchFamily="2" charset="-127"/>
               </a:rPr>
@@ -37850,7 +38058,7 @@
             <a:avLst/>
           </a:prstGeom>
           <a:solidFill>
-            <a:srgbClr val="73A9AD"/>
+            <a:srgbClr val="E3DFFD"/>
           </a:solidFill>
           <a:ln>
             <a:noFill/>
@@ -37879,6 +38087,9 @@
             <a:pPr algn="ctr"/>
             <a:r>
               <a:rPr lang="ko-KR" altLang="en-US" sz="2800" dirty="0">
+                <a:solidFill>
+                  <a:schemeClr val="tx1"/>
+                </a:solidFill>
                 <a:latin typeface="나눔손글씨 성실체" panose="02000503000000000000" pitchFamily="2" charset="-127"/>
                 <a:ea typeface="나눔손글씨 성실체" panose="02000503000000000000" pitchFamily="2" charset="-127"/>
               </a:rPr>
@@ -37908,7 +38119,7 @@
             <a:avLst/>
           </a:prstGeom>
           <a:solidFill>
-            <a:srgbClr val="B3C890"/>
+            <a:srgbClr val="ECF2FF"/>
           </a:solidFill>
           <a:ln>
             <a:noFill/>
@@ -37969,7 +38180,7 @@
             <a:avLst/>
           </a:prstGeom>
           <a:solidFill>
-            <a:srgbClr val="B3C890"/>
+            <a:srgbClr val="ECF2FF"/>
           </a:solidFill>
           <a:ln>
             <a:noFill/>
@@ -38030,7 +38241,7 @@
             <a:avLst/>
           </a:prstGeom>
           <a:solidFill>
-            <a:srgbClr val="B3C890"/>
+            <a:srgbClr val="ECF2FF"/>
           </a:solidFill>
           <a:ln>
             <a:noFill/>
@@ -38091,7 +38302,7 @@
             <a:avLst/>
           </a:prstGeom>
           <a:solidFill>
-            <a:srgbClr val="B3C890"/>
+            <a:srgbClr val="ECF2FF"/>
           </a:solidFill>
           <a:ln>
             <a:noFill/>
@@ -38152,7 +38363,7 @@
             <a:avLst/>
           </a:prstGeom>
           <a:solidFill>
-            <a:srgbClr val="B3C890"/>
+            <a:srgbClr val="ECF2FF"/>
           </a:solidFill>
           <a:ln>
             <a:noFill/>
@@ -38213,7 +38424,7 @@
             <a:avLst/>
           </a:prstGeom>
           <a:solidFill>
-            <a:srgbClr val="B3C890"/>
+            <a:srgbClr val="ECF2FF"/>
           </a:solidFill>
           <a:ln>
             <a:noFill/>
@@ -38274,7 +38485,7 @@
             <a:avLst/>
           </a:prstGeom>
           <a:solidFill>
-            <a:srgbClr val="B3C890"/>
+            <a:srgbClr val="ECF2FF"/>
           </a:solidFill>
           <a:ln>
             <a:noFill/>
@@ -38335,7 +38546,7 @@
             <a:avLst/>
           </a:prstGeom>
           <a:solidFill>
-            <a:srgbClr val="B3C890"/>
+            <a:srgbClr val="ECF2FF"/>
           </a:solidFill>
           <a:ln>
             <a:noFill/>
@@ -38396,7 +38607,7 @@
             <a:avLst/>
           </a:prstGeom>
           <a:solidFill>
-            <a:srgbClr val="B3C890"/>
+            <a:srgbClr val="ECF2FF"/>
           </a:solidFill>
           <a:ln>
             <a:noFill/>
@@ -38457,7 +38668,7 @@
             <a:avLst/>
           </a:prstGeom>
           <a:solidFill>
-            <a:srgbClr val="B3C890"/>
+            <a:srgbClr val="ECF2FF"/>
           </a:solidFill>
           <a:ln>
             <a:noFill/>
@@ -38546,7 +38757,7 @@
             <a:avLst/>
           </a:prstGeom>
           <a:solidFill>
-            <a:srgbClr val="F5F0BB"/>
+            <a:srgbClr val="FDEFC2"/>
           </a:solidFill>
           <a:ln>
             <a:solidFill>
@@ -38615,7 +38826,7 @@
             <a:avLst/>
           </a:prstGeom>
           <a:solidFill>
-            <a:srgbClr val="73A9AD"/>
+            <a:srgbClr val="E3DFFD"/>
           </a:solidFill>
         </p:spPr>
         <p:txBody>
@@ -38772,7 +38983,7 @@
             <a:avLst/>
           </a:prstGeom>
           <a:solidFill>
-            <a:srgbClr val="F5F0BB"/>
+            <a:srgbClr val="FDEFC2"/>
           </a:solidFill>
           <a:ln>
             <a:solidFill>
@@ -38841,7 +39052,7 @@
             <a:avLst/>
           </a:prstGeom>
           <a:solidFill>
-            <a:srgbClr val="73A9AD"/>
+            <a:srgbClr val="E3DFFD"/>
           </a:solidFill>
         </p:spPr>
         <p:txBody>
